--- a/inflearn02/doc/심화_XSS 공격을 방어합니다.pptx
+++ b/inflearn02/doc/심화_XSS 공격을 방어합니다.pptx
@@ -5,16 +5,15 @@
     <p:sldMasterId id="2147483648" r:id="rId1"/>
   </p:sldMasterIdLst>
   <p:notesMasterIdLst>
-    <p:notesMasterId r:id="rId6"/>
+    <p:notesMasterId r:id="rId5"/>
   </p:notesMasterIdLst>
   <p:handoutMasterIdLst>
-    <p:handoutMasterId r:id="rId7"/>
+    <p:handoutMasterId r:id="rId6"/>
   </p:handoutMasterIdLst>
   <p:sldIdLst>
     <p:sldId id="308" r:id="rId2"/>
-    <p:sldId id="316" r:id="rId3"/>
-    <p:sldId id="318" r:id="rId4"/>
-    <p:sldId id="319" r:id="rId5"/>
+    <p:sldId id="318" r:id="rId3"/>
+    <p:sldId id="319" r:id="rId4"/>
   </p:sldIdLst>
   <p:sldSz cx="12192000" cy="6858000"/>
   <p:notesSz cx="6858000" cy="9144000"/>
@@ -15744,375 +15743,6 @@
           <a:p>
             <a:r>
               <a:rPr lang="ko-KR" altLang="en-US"/>
-              <a:t>방어해야 하는 문자열</a:t>
-            </a:r>
-            <a:endParaRPr lang="en-US" altLang="ko-KR"/>
-          </a:p>
-          <a:p>
-            <a:pPr lvl="1"/>
-            <a:r>
-              <a:rPr lang="en-US" altLang="ko-KR"/>
-              <a:t>‘  “ (  &lt; &gt; ) </a:t>
-            </a:r>
-            <a:r>
-              <a:rPr lang="ko-KR" altLang="en-US"/>
-              <a:t>등을 </a:t>
-            </a:r>
-            <a:r>
-              <a:rPr lang="en-US" altLang="ko-KR"/>
-              <a:t>HTML </a:t>
-            </a:r>
-            <a:r>
-              <a:rPr lang="ko-KR" altLang="en-US"/>
-              <a:t>특수문자 코드 표현</a:t>
-            </a:r>
-            <a:endParaRPr lang="en-US" altLang="ko-KR"/>
-          </a:p>
-          <a:p>
-            <a:r>
-              <a:rPr lang="ko-KR" altLang="en-US"/>
-              <a:t>방어해야 하는 지점</a:t>
-            </a:r>
-            <a:endParaRPr lang="en-US" altLang="ko-KR"/>
-          </a:p>
-        </p:txBody>
-      </p:sp>
-      <p:sp>
-        <p:nvSpPr>
-          <p:cNvPr id="8" name="직사각형 7">
-            <a:extLst>
-              <a:ext uri="{FF2B5EF4-FFF2-40B4-BE49-F238E27FC236}">
-                <a16:creationId xmlns:a16="http://schemas.microsoft.com/office/drawing/2014/main" id="{95301C8B-B1B4-411A-BA85-59EFD39ABD2C}"/>
-              </a:ext>
-            </a:extLst>
-          </p:cNvPr>
-          <p:cNvSpPr/>
-          <p:nvPr/>
-        </p:nvSpPr>
-        <p:spPr>
-          <a:xfrm>
-            <a:off x="1501813" y="3390472"/>
-            <a:ext cx="1427503" cy="495729"/>
-          </a:xfrm>
-          <a:prstGeom prst="rect">
-            <a:avLst/>
-          </a:prstGeom>
-        </p:spPr>
-        <p:style>
-          <a:lnRef idx="1">
-            <a:schemeClr val="accent3"/>
-          </a:lnRef>
-          <a:fillRef idx="2">
-            <a:schemeClr val="accent3"/>
-          </a:fillRef>
-          <a:effectRef idx="1">
-            <a:schemeClr val="accent3"/>
-          </a:effectRef>
-          <a:fontRef idx="minor">
-            <a:schemeClr val="dk1"/>
-          </a:fontRef>
-        </p:style>
-        <p:txBody>
-          <a:bodyPr rtlCol="0" anchor="ctr"/>
-          <a:lstStyle/>
-          <a:p>
-            <a:pPr algn="ctr"/>
-            <a:r>
-              <a:rPr lang="ko-KR" altLang="en-US"/>
-              <a:t>브라우저</a:t>
-            </a:r>
-            <a:endParaRPr lang="en-US" altLang="ko-KR" dirty="0"/>
-          </a:p>
-        </p:txBody>
-      </p:sp>
-      <p:sp>
-        <p:nvSpPr>
-          <p:cNvPr id="16" name="직사각형 15">
-            <a:extLst>
-              <a:ext uri="{FF2B5EF4-FFF2-40B4-BE49-F238E27FC236}">
-                <a16:creationId xmlns:a16="http://schemas.microsoft.com/office/drawing/2014/main" id="{F36E4822-B48B-440F-B6BE-51F4C0B76E3F}"/>
-              </a:ext>
-            </a:extLst>
-          </p:cNvPr>
-          <p:cNvSpPr/>
-          <p:nvPr/>
-        </p:nvSpPr>
-        <p:spPr>
-          <a:xfrm>
-            <a:off x="4551162" y="3390472"/>
-            <a:ext cx="1427503" cy="495729"/>
-          </a:xfrm>
-          <a:prstGeom prst="rect">
-            <a:avLst/>
-          </a:prstGeom>
-        </p:spPr>
-        <p:style>
-          <a:lnRef idx="1">
-            <a:schemeClr val="accent3"/>
-          </a:lnRef>
-          <a:fillRef idx="2">
-            <a:schemeClr val="accent3"/>
-          </a:fillRef>
-          <a:effectRef idx="1">
-            <a:schemeClr val="accent3"/>
-          </a:effectRef>
-          <a:fontRef idx="minor">
-            <a:schemeClr val="dk1"/>
-          </a:fontRef>
-        </p:style>
-        <p:txBody>
-          <a:bodyPr rtlCol="0" anchor="ctr"/>
-          <a:lstStyle/>
-          <a:p>
-            <a:pPr algn="ctr"/>
-            <a:r>
-              <a:rPr lang="en-US" altLang="ko-KR"/>
-              <a:t>WAS</a:t>
-            </a:r>
-            <a:endParaRPr lang="en-US" altLang="ko-KR" dirty="0"/>
-          </a:p>
-        </p:txBody>
-      </p:sp>
-      <p:sp>
-        <p:nvSpPr>
-          <p:cNvPr id="17" name="직사각형 16">
-            <a:extLst>
-              <a:ext uri="{FF2B5EF4-FFF2-40B4-BE49-F238E27FC236}">
-                <a16:creationId xmlns:a16="http://schemas.microsoft.com/office/drawing/2014/main" id="{1124340D-3D66-4FD4-BBC6-FA254AAE8156}"/>
-              </a:ext>
-            </a:extLst>
-          </p:cNvPr>
-          <p:cNvSpPr/>
-          <p:nvPr/>
-        </p:nvSpPr>
-        <p:spPr>
-          <a:xfrm>
-            <a:off x="7600511" y="3390471"/>
-            <a:ext cx="1427503" cy="495729"/>
-          </a:xfrm>
-          <a:prstGeom prst="rect">
-            <a:avLst/>
-          </a:prstGeom>
-        </p:spPr>
-        <p:style>
-          <a:lnRef idx="1">
-            <a:schemeClr val="accent3"/>
-          </a:lnRef>
-          <a:fillRef idx="2">
-            <a:schemeClr val="accent3"/>
-          </a:fillRef>
-          <a:effectRef idx="1">
-            <a:schemeClr val="accent3"/>
-          </a:effectRef>
-          <a:fontRef idx="minor">
-            <a:schemeClr val="dk1"/>
-          </a:fontRef>
-        </p:style>
-        <p:txBody>
-          <a:bodyPr rtlCol="0" anchor="ctr"/>
-          <a:lstStyle/>
-          <a:p>
-            <a:pPr algn="ctr"/>
-            <a:r>
-              <a:rPr lang="ko-KR" altLang="en-US"/>
-              <a:t>브라우저</a:t>
-            </a:r>
-            <a:endParaRPr lang="en-US" altLang="ko-KR" dirty="0"/>
-          </a:p>
-        </p:txBody>
-      </p:sp>
-      <p:sp>
-        <p:nvSpPr>
-          <p:cNvPr id="19" name="TextBox 18">
-            <a:extLst>
-              <a:ext uri="{FF2B5EF4-FFF2-40B4-BE49-F238E27FC236}">
-                <a16:creationId xmlns:a16="http://schemas.microsoft.com/office/drawing/2014/main" id="{6CF65C9C-D93F-4D25-A967-F31BED2F9396}"/>
-              </a:ext>
-            </a:extLst>
-          </p:cNvPr>
-          <p:cNvSpPr txBox="1"/>
-          <p:nvPr/>
-        </p:nvSpPr>
-        <p:spPr>
-          <a:xfrm>
-            <a:off x="3053928" y="4221164"/>
-            <a:ext cx="1492716" cy="923330"/>
-          </a:xfrm>
-          <a:prstGeom prst="rect">
-            <a:avLst/>
-          </a:prstGeom>
-          <a:noFill/>
-        </p:spPr>
-        <p:txBody>
-          <a:bodyPr wrap="none" rtlCol="0">
-            <a:spAutoFit/>
-          </a:bodyPr>
-          <a:lstStyle/>
-          <a:p>
-            <a:r>
-              <a:rPr lang="ko-KR" altLang="en-US"/>
-              <a:t>안티 디도스</a:t>
-            </a:r>
-            <a:endParaRPr lang="en-US" altLang="ko-KR"/>
-          </a:p>
-          <a:p>
-            <a:r>
-              <a:rPr lang="en-US" altLang="ko-KR"/>
-              <a:t>IDS/IPS</a:t>
-            </a:r>
-          </a:p>
-          <a:p>
-            <a:r>
-              <a:rPr lang="ko-KR" altLang="en-US"/>
-              <a:t>전처리</a:t>
-            </a:r>
-            <a:r>
-              <a:rPr lang="en-US" altLang="ko-KR"/>
-              <a:t>(</a:t>
-            </a:r>
-            <a:r>
-              <a:rPr lang="ko-KR" altLang="en-US"/>
-              <a:t>필터</a:t>
-            </a:r>
-            <a:r>
-              <a:rPr lang="en-US" altLang="ko-KR"/>
-              <a:t>)</a:t>
-            </a:r>
-          </a:p>
-        </p:txBody>
-      </p:sp>
-      <p:pic>
-        <p:nvPicPr>
-          <p:cNvPr id="21" name="그림 20">
-            <a:extLst>
-              <a:ext uri="{FF2B5EF4-FFF2-40B4-BE49-F238E27FC236}">
-                <a16:creationId xmlns:a16="http://schemas.microsoft.com/office/drawing/2014/main" id="{6AA4AAFC-D225-464F-926E-F69AABB29171}"/>
-              </a:ext>
-            </a:extLst>
-          </p:cNvPr>
-          <p:cNvPicPr>
-            <a:picLocks noChangeAspect="1"/>
-          </p:cNvPicPr>
-          <p:nvPr/>
-        </p:nvPicPr>
-        <p:blipFill>
-          <a:blip r:embed="rId2"/>
-          <a:stretch>
-            <a:fillRect/>
-          </a:stretch>
-        </p:blipFill>
-        <p:spPr>
-          <a:xfrm>
-            <a:off x="5640777" y="4282361"/>
-            <a:ext cx="5620534" cy="1724266"/>
-          </a:xfrm>
-          <a:prstGeom prst="rect">
-            <a:avLst/>
-          </a:prstGeom>
-        </p:spPr>
-      </p:pic>
-    </p:spTree>
-    <p:extLst>
-      <p:ext uri="{BB962C8B-B14F-4D97-AF65-F5344CB8AC3E}">
-        <p14:creationId xmlns:p14="http://schemas.microsoft.com/office/powerpoint/2010/main" val="441835310"/>
-      </p:ext>
-    </p:extLst>
-  </p:cSld>
-  <p:clrMapOvr>
-    <a:masterClrMapping/>
-  </p:clrMapOvr>
-  <mc:AlternateContent xmlns:mc="http://schemas.openxmlformats.org/markup-compatibility/2006" xmlns:p14="http://schemas.microsoft.com/office/powerpoint/2010/main">
-    <mc:Choice Requires="p14">
-      <p:transition spd="med" p14:dur="700">
-        <p:fade/>
-      </p:transition>
-    </mc:Choice>
-    <mc:Fallback xmlns="">
-      <p:transition spd="med">
-        <p:fade/>
-      </p:transition>
-    </mc:Fallback>
-  </mc:AlternateContent>
-</p:sld>
-</file>
-
-<file path=ppt/slides/slide3.xml><?xml version="1.0" encoding="utf-8"?>
-<p:sld xmlns:a="http://schemas.openxmlformats.org/drawingml/2006/main" xmlns:r="http://schemas.openxmlformats.org/officeDocument/2006/relationships" xmlns:p="http://schemas.openxmlformats.org/presentationml/2006/main">
-  <p:cSld>
-    <p:spTree>
-      <p:nvGrpSpPr>
-        <p:cNvPr id="1" name=""/>
-        <p:cNvGrpSpPr/>
-        <p:nvPr/>
-      </p:nvGrpSpPr>
-      <p:grpSpPr>
-        <a:xfrm>
-          <a:off x="0" y="0"/>
-          <a:ext cx="0" cy="0"/>
-          <a:chOff x="0" y="0"/>
-          <a:chExt cx="0" cy="0"/>
-        </a:xfrm>
-      </p:grpSpPr>
-      <p:sp>
-        <p:nvSpPr>
-          <p:cNvPr id="2" name="제목 1">
-            <a:extLst>
-              <a:ext uri="{FF2B5EF4-FFF2-40B4-BE49-F238E27FC236}">
-                <a16:creationId xmlns:a16="http://schemas.microsoft.com/office/drawing/2014/main" id="{28D78D5F-E582-4987-91DF-9C7C5BEBD4EB}"/>
-              </a:ext>
-            </a:extLst>
-          </p:cNvPr>
-          <p:cNvSpPr>
-            <a:spLocks noGrp="1"/>
-          </p:cNvSpPr>
-          <p:nvPr>
-            <p:ph type="title"/>
-          </p:nvPr>
-        </p:nvSpPr>
-        <p:spPr/>
-        <p:txBody>
-          <a:bodyPr/>
-          <a:lstStyle/>
-          <a:p>
-            <a:r>
-              <a:rPr lang="en-US" altLang="ko-KR"/>
-              <a:t>XSS </a:t>
-            </a:r>
-            <a:r>
-              <a:rPr lang="ko-KR" altLang="en-US"/>
-              <a:t>공격을 방어합니다</a:t>
-            </a:r>
-            <a:r>
-              <a:rPr lang="en-US" altLang="ko-KR"/>
-              <a:t>.</a:t>
-            </a:r>
-            <a:endParaRPr lang="ko-KR" altLang="en-US" dirty="0"/>
-          </a:p>
-        </p:txBody>
-      </p:sp>
-      <p:sp>
-        <p:nvSpPr>
-          <p:cNvPr id="3" name="내용 개체 틀 2">
-            <a:extLst>
-              <a:ext uri="{FF2B5EF4-FFF2-40B4-BE49-F238E27FC236}">
-                <a16:creationId xmlns:a16="http://schemas.microsoft.com/office/drawing/2014/main" id="{DFA47AE3-6532-4E43-9E16-6D279FF62F6D}"/>
-              </a:ext>
-            </a:extLst>
-          </p:cNvPr>
-          <p:cNvSpPr>
-            <a:spLocks noGrp="1"/>
-          </p:cNvSpPr>
-          <p:nvPr>
-            <p:ph idx="1"/>
-          </p:nvPr>
-        </p:nvSpPr>
-        <p:spPr/>
-        <p:txBody>
-          <a:bodyPr/>
-          <a:lstStyle/>
-          <a:p>
-            <a:r>
-              <a:rPr lang="ko-KR" altLang="en-US"/>
               <a:t>모든 서비스 로직이 수행한</a:t>
             </a:r>
             <a:r>
@@ -16401,7 +16031,7 @@
 </p:sld>
 </file>
 
-<file path=ppt/slides/slide4.xml><?xml version="1.0" encoding="utf-8"?>
+<file path=ppt/slides/slide3.xml><?xml version="1.0" encoding="utf-8"?>
 <p:sld xmlns:a="http://schemas.openxmlformats.org/drawingml/2006/main" xmlns:r="http://schemas.openxmlformats.org/officeDocument/2006/relationships" xmlns:p="http://schemas.openxmlformats.org/presentationml/2006/main">
   <p:cSld>
     <p:spTree>

--- a/inflearn02/doc/심화_XSS 공격을 방어합니다.pptx
+++ b/inflearn02/doc/심화_XSS 공격을 방어합니다.pptx
@@ -15930,7 +15930,7 @@
         </p:nvSpPr>
         <p:spPr>
           <a:xfrm>
-            <a:off x="3053928" y="4221164"/>
+            <a:off x="3007879" y="3924763"/>
             <a:ext cx="1492716" cy="923330"/>
           </a:xfrm>
           <a:prstGeom prst="rect">
@@ -15945,32 +15945,32 @@
           <a:lstStyle/>
           <a:p>
             <a:r>
-              <a:rPr lang="ko-KR" altLang="en-US"/>
+              <a:rPr lang="ko-KR" altLang="en-US" dirty="0"/>
               <a:t>안티 디도스</a:t>
             </a:r>
-            <a:endParaRPr lang="en-US" altLang="ko-KR"/>
+            <a:endParaRPr lang="en-US" altLang="ko-KR" dirty="0"/>
           </a:p>
           <a:p>
             <a:r>
-              <a:rPr lang="en-US" altLang="ko-KR"/>
+              <a:rPr lang="en-US" altLang="ko-KR" dirty="0"/>
               <a:t>IDS/IPS</a:t>
             </a:r>
           </a:p>
           <a:p>
             <a:r>
-              <a:rPr lang="ko-KR" altLang="en-US"/>
+              <a:rPr lang="ko-KR" altLang="en-US" dirty="0" err="1"/>
               <a:t>전처리</a:t>
             </a:r>
             <a:r>
-              <a:rPr lang="en-US" altLang="ko-KR"/>
+              <a:rPr lang="en-US" altLang="ko-KR" dirty="0"/>
               <a:t>(</a:t>
             </a:r>
             <a:r>
-              <a:rPr lang="ko-KR" altLang="en-US"/>
+              <a:rPr lang="ko-KR" altLang="en-US" dirty="0"/>
               <a:t>필터</a:t>
             </a:r>
             <a:r>
-              <a:rPr lang="en-US" altLang="ko-KR"/>
+              <a:rPr lang="en-US" altLang="ko-KR" dirty="0"/>
               <a:t>)</a:t>
             </a:r>
           </a:p>
@@ -15998,8 +15998,38 @@
         </p:blipFill>
         <p:spPr>
           <a:xfrm>
-            <a:off x="5640777" y="4282361"/>
+            <a:off x="6476236" y="4282361"/>
             <a:ext cx="5620534" cy="1724266"/>
+          </a:xfrm>
+          <a:prstGeom prst="rect">
+            <a:avLst/>
+          </a:prstGeom>
+        </p:spPr>
+      </p:pic>
+      <p:pic>
+        <p:nvPicPr>
+          <p:cNvPr id="9" name="그림 8">
+            <a:extLst>
+              <a:ext uri="{FF2B5EF4-FFF2-40B4-BE49-F238E27FC236}">
+                <a16:creationId xmlns:a16="http://schemas.microsoft.com/office/drawing/2014/main" id="{A7283E64-CDD7-4692-B61B-6C0032B74523}"/>
+              </a:ext>
+            </a:extLst>
+          </p:cNvPr>
+          <p:cNvPicPr>
+            <a:picLocks noChangeAspect="1"/>
+          </p:cNvPicPr>
+          <p:nvPr/>
+        </p:nvPicPr>
+        <p:blipFill>
+          <a:blip r:embed="rId3"/>
+          <a:stretch>
+            <a:fillRect/>
+          </a:stretch>
+        </p:blipFill>
+        <p:spPr>
+          <a:xfrm>
+            <a:off x="1206020" y="5063520"/>
+            <a:ext cx="4182059" cy="943107"/>
           </a:xfrm>
           <a:prstGeom prst="rect">
             <a:avLst/>
